--- a/slave_client.pptx
+++ b/slave_client.pptx
@@ -114,6 +114,11 @@
       </a:defRPr>
     </a:lvl9pPr>
   </p:defaultTextStyle>
+  <p:extLst>
+    <p:ext uri="{EFAFB233-063F-42B5-8137-9DF3F51BA10A}">
+      <p15:sldGuideLst xmlns:p15="http://schemas.microsoft.com/office/powerpoint/2012/main"/>
+    </p:ext>
+  </p:extLst>
 </p:presentation>
 </file>
 
@@ -130,7 +135,7 @@
   <pc:docChgLst>
     <pc:chgData name="ME4-T DANZA SEAH" userId="29685724598694ca" providerId="LiveId" clId="{B972BB44-2433-4CD3-8E13-113A6E375294}"/>
     <pc:docChg chg="undo custSel addSld delSld modSld sldOrd">
-      <pc:chgData name="ME4-T DANZA SEAH" userId="29685724598694ca" providerId="LiveId" clId="{B972BB44-2433-4CD3-8E13-113A6E375294}" dt="2025-05-20T09:57:50.407" v="746" actId="13926"/>
+      <pc:chgData name="ME4-T DANZA SEAH" userId="29685724598694ca" providerId="LiveId" clId="{B972BB44-2433-4CD3-8E13-113A6E375294}" dt="2025-05-21T03:30:09.189" v="779" actId="1076"/>
       <pc:docMkLst>
         <pc:docMk/>
       </pc:docMkLst>
@@ -616,11 +621,19 @@
         </pc:spChg>
       </pc:sldChg>
       <pc:sldChg chg="addSp delSp modSp add mod modTransition">
-        <pc:chgData name="ME4-T DANZA SEAH" userId="29685724598694ca" providerId="LiveId" clId="{B972BB44-2433-4CD3-8E13-113A6E375294}" dt="2025-05-20T09:35:26.875" v="491" actId="13926"/>
+        <pc:chgData name="ME4-T DANZA SEAH" userId="29685724598694ca" providerId="LiveId" clId="{B972BB44-2433-4CD3-8E13-113A6E375294}" dt="2025-05-21T03:30:09.189" v="779" actId="1076"/>
         <pc:sldMkLst>
           <pc:docMk/>
           <pc:sldMk cId="304929754" sldId="263"/>
         </pc:sldMkLst>
+        <pc:spChg chg="add mod">
+          <ac:chgData name="ME4-T DANZA SEAH" userId="29685724598694ca" providerId="LiveId" clId="{B972BB44-2433-4CD3-8E13-113A6E375294}" dt="2025-05-21T03:30:09.189" v="779" actId="1076"/>
+          <ac:spMkLst>
+            <pc:docMk/>
+            <pc:sldMk cId="304929754" sldId="263"/>
+            <ac:spMk id="3" creationId="{8712FC1C-D929-0539-E642-6D418D21A381}"/>
+          </ac:spMkLst>
+        </pc:spChg>
         <pc:spChg chg="mod">
           <ac:chgData name="ME4-T DANZA SEAH" userId="29685724598694ca" providerId="LiveId" clId="{B972BB44-2433-4CD3-8E13-113A6E375294}" dt="2025-05-20T09:29:04.895" v="439" actId="1076"/>
           <ac:spMkLst>
@@ -653,8 +666,8 @@
             <ac:spMk id="11" creationId="{C918CC3D-FD63-F6B6-2F7A-D91601BFF30A}"/>
           </ac:spMkLst>
         </pc:spChg>
-        <pc:spChg chg="add mod">
-          <ac:chgData name="ME4-T DANZA SEAH" userId="29685724598694ca" providerId="LiveId" clId="{B972BB44-2433-4CD3-8E13-113A6E375294}" dt="2025-05-20T09:35:26.875" v="491" actId="13926"/>
+        <pc:spChg chg="add del mod">
+          <ac:chgData name="ME4-T DANZA SEAH" userId="29685724598694ca" providerId="LiveId" clId="{B972BB44-2433-4CD3-8E13-113A6E375294}" dt="2025-05-21T03:29:20.671" v="772" actId="478"/>
           <ac:spMkLst>
             <pc:docMk/>
             <pc:sldMk cId="304929754" sldId="263"/>
@@ -1344,7 +1357,7 @@
           <a:p>
             <a:fld id="{F4628348-E463-418C-8011-C033A6EFCDDE}" type="datetimeFigureOut">
               <a:rPr lang="en-SG" smtClean="0"/>
-              <a:t>20/5/2025</a:t>
+              <a:t>21/5/2025</a:t>
             </a:fld>
             <a:endParaRPr lang="en-SG"/>
           </a:p>
@@ -1544,7 +1557,7 @@
           <a:p>
             <a:fld id="{F4628348-E463-418C-8011-C033A6EFCDDE}" type="datetimeFigureOut">
               <a:rPr lang="en-SG" smtClean="0"/>
-              <a:t>20/5/2025</a:t>
+              <a:t>21/5/2025</a:t>
             </a:fld>
             <a:endParaRPr lang="en-SG"/>
           </a:p>
@@ -1754,7 +1767,7 @@
           <a:p>
             <a:fld id="{F4628348-E463-418C-8011-C033A6EFCDDE}" type="datetimeFigureOut">
               <a:rPr lang="en-SG" smtClean="0"/>
-              <a:t>20/5/2025</a:t>
+              <a:t>21/5/2025</a:t>
             </a:fld>
             <a:endParaRPr lang="en-SG"/>
           </a:p>
@@ -1954,7 +1967,7 @@
           <a:p>
             <a:fld id="{F4628348-E463-418C-8011-C033A6EFCDDE}" type="datetimeFigureOut">
               <a:rPr lang="en-SG" smtClean="0"/>
-              <a:t>20/5/2025</a:t>
+              <a:t>21/5/2025</a:t>
             </a:fld>
             <a:endParaRPr lang="en-SG"/>
           </a:p>
@@ -2230,7 +2243,7 @@
           <a:p>
             <a:fld id="{F4628348-E463-418C-8011-C033A6EFCDDE}" type="datetimeFigureOut">
               <a:rPr lang="en-SG" smtClean="0"/>
-              <a:t>20/5/2025</a:t>
+              <a:t>21/5/2025</a:t>
             </a:fld>
             <a:endParaRPr lang="en-SG"/>
           </a:p>
@@ -2498,7 +2511,7 @@
           <a:p>
             <a:fld id="{F4628348-E463-418C-8011-C033A6EFCDDE}" type="datetimeFigureOut">
               <a:rPr lang="en-SG" smtClean="0"/>
-              <a:t>20/5/2025</a:t>
+              <a:t>21/5/2025</a:t>
             </a:fld>
             <a:endParaRPr lang="en-SG"/>
           </a:p>
@@ -2913,7 +2926,7 @@
           <a:p>
             <a:fld id="{F4628348-E463-418C-8011-C033A6EFCDDE}" type="datetimeFigureOut">
               <a:rPr lang="en-SG" smtClean="0"/>
-              <a:t>20/5/2025</a:t>
+              <a:t>21/5/2025</a:t>
             </a:fld>
             <a:endParaRPr lang="en-SG"/>
           </a:p>
@@ -3055,7 +3068,7 @@
           <a:p>
             <a:fld id="{F4628348-E463-418C-8011-C033A6EFCDDE}" type="datetimeFigureOut">
               <a:rPr lang="en-SG" smtClean="0"/>
-              <a:t>20/5/2025</a:t>
+              <a:t>21/5/2025</a:t>
             </a:fld>
             <a:endParaRPr lang="en-SG"/>
           </a:p>
@@ -3168,7 +3181,7 @@
           <a:p>
             <a:fld id="{F4628348-E463-418C-8011-C033A6EFCDDE}" type="datetimeFigureOut">
               <a:rPr lang="en-SG" smtClean="0"/>
-              <a:t>20/5/2025</a:t>
+              <a:t>21/5/2025</a:t>
             </a:fld>
             <a:endParaRPr lang="en-SG"/>
           </a:p>
@@ -3481,7 +3494,7 @@
           <a:p>
             <a:fld id="{F4628348-E463-418C-8011-C033A6EFCDDE}" type="datetimeFigureOut">
               <a:rPr lang="en-SG" smtClean="0"/>
-              <a:t>20/5/2025</a:t>
+              <a:t>21/5/2025</a:t>
             </a:fld>
             <a:endParaRPr lang="en-SG"/>
           </a:p>
@@ -3770,7 +3783,7 @@
           <a:p>
             <a:fld id="{F4628348-E463-418C-8011-C033A6EFCDDE}" type="datetimeFigureOut">
               <a:rPr lang="en-SG" smtClean="0"/>
-              <a:t>20/5/2025</a:t>
+              <a:t>21/5/2025</a:t>
             </a:fld>
             <a:endParaRPr lang="en-SG"/>
           </a:p>
@@ -4013,7 +4026,7 @@
           <a:p>
             <a:fld id="{F4628348-E463-418C-8011-C033A6EFCDDE}" type="datetimeFigureOut">
               <a:rPr lang="en-SG" smtClean="0"/>
-              <a:t>20/5/2025</a:t>
+              <a:t>21/5/2025</a:t>
             </a:fld>
             <a:endParaRPr lang="en-SG"/>
           </a:p>
@@ -6137,13 +6150,13 @@
   <p:clrMapOvr>
     <a:masterClrMapping/>
   </p:clrMapOvr>
-  <mc:AlternateContent xmlns:mc="http://schemas.openxmlformats.org/markup-compatibility/2006">
-    <mc:Choice xmlns:p159="http://schemas.microsoft.com/office/powerpoint/2015/09/main" Requires="p159">
+  <mc:AlternateContent xmlns:mc="http://schemas.openxmlformats.org/markup-compatibility/2006" xmlns:p159="http://schemas.microsoft.com/office/powerpoint/2015/09/main">
+    <mc:Choice Requires="p159">
       <p:transition xmlns:p14="http://schemas.microsoft.com/office/powerpoint/2010/main" spd="slow" p14:dur="2000">
         <p159:morph option="byObject"/>
       </p:transition>
     </mc:Choice>
-    <mc:Fallback>
+    <mc:Fallback xmlns="">
       <p:transition spd="slow">
         <p:fade/>
       </p:transition>
@@ -14195,13 +14208,13 @@
   <p:clrMapOvr>
     <a:masterClrMapping/>
   </p:clrMapOvr>
-  <mc:AlternateContent xmlns:mc="http://schemas.openxmlformats.org/markup-compatibility/2006">
-    <mc:Choice xmlns:p159="http://schemas.microsoft.com/office/powerpoint/2015/09/main" Requires="p159">
+  <mc:AlternateContent xmlns:mc="http://schemas.openxmlformats.org/markup-compatibility/2006" xmlns:p159="http://schemas.microsoft.com/office/powerpoint/2015/09/main">
+    <mc:Choice Requires="p159">
       <p:transition xmlns:p14="http://schemas.microsoft.com/office/powerpoint/2010/main" spd="slow" p14:dur="2000">
         <p159:morph option="byObject"/>
       </p:transition>
     </mc:Choice>
-    <mc:Fallback>
+    <mc:Fallback xmlns="">
       <p:transition spd="slow">
         <p:fade/>
       </p:transition>
@@ -15157,10 +15170,10 @@
       </p:sp>
       <p:sp>
         <p:nvSpPr>
-          <p:cNvPr id="12" name="TextBox 11">
+          <p:cNvPr id="3" name="TextBox 2">
             <a:extLst>
               <a:ext uri="{FF2B5EF4-FFF2-40B4-BE49-F238E27FC236}">
-                <a16:creationId xmlns:a16="http://schemas.microsoft.com/office/drawing/2014/main" id="{3EE523B9-B846-A45D-1A9D-A8CC349C2F52}"/>
+                <a16:creationId xmlns:a16="http://schemas.microsoft.com/office/drawing/2014/main" id="{8712FC1C-D929-0539-E642-6D418D21A381}"/>
               </a:ext>
             </a:extLst>
           </p:cNvPr>
@@ -15169,8 +15182,8 @@
         </p:nvSpPr>
         <p:spPr>
           <a:xfrm>
-            <a:off x="340426" y="1692040"/>
-            <a:ext cx="11851574" cy="3518014"/>
+            <a:off x="100287" y="1754033"/>
+            <a:ext cx="12374879" cy="4236160"/>
           </a:xfrm>
           <a:prstGeom prst="rect">
             <a:avLst/>
@@ -15315,13 +15328,106 @@
               </a:lnSpc>
               <a:buNone/>
             </a:pPr>
-            <a:endParaRPr lang="en-US" b="0" dirty="0">
-              <a:solidFill>
-                <a:srgbClr val="3B3B3B"/>
-              </a:solidFill>
-              <a:effectLst/>
-              <a:latin typeface="Consolas" panose="020B0609020204030204" pitchFamily="49" charset="0"/>
-            </a:endParaRPr>
+            <a:r>
+              <a:rPr lang="en-US" b="0" dirty="0">
+                <a:solidFill>
+                  <a:srgbClr val="3B3B3B"/>
+                </a:solidFill>
+                <a:effectLst/>
+                <a:latin typeface="Consolas" panose="020B0609020204030204" pitchFamily="49" charset="0"/>
+              </a:rPr>
+              <a:t>    block </a:t>
+            </a:r>
+            <a:r>
+              <a:rPr lang="en-US" b="0" dirty="0">
+                <a:solidFill>
+                  <a:srgbClr val="000000"/>
+                </a:solidFill>
+                <a:effectLst/>
+                <a:latin typeface="Consolas" panose="020B0609020204030204" pitchFamily="49" charset="0"/>
+              </a:rPr>
+              <a:t>=</a:t>
+            </a:r>
+            <a:r>
+              <a:rPr lang="en-US" b="0" dirty="0">
+                <a:solidFill>
+                  <a:srgbClr val="3B3B3B"/>
+                </a:solidFill>
+                <a:effectLst/>
+                <a:latin typeface="Consolas" panose="020B0609020204030204" pitchFamily="49" charset="0"/>
+              </a:rPr>
+              <a:t> </a:t>
+            </a:r>
+            <a:r>
+              <a:rPr lang="en-US" b="0" dirty="0" err="1">
+                <a:solidFill>
+                  <a:srgbClr val="3B3B3B"/>
+                </a:solidFill>
+                <a:effectLst/>
+                <a:latin typeface="Consolas" panose="020B0609020204030204" pitchFamily="49" charset="0"/>
+              </a:rPr>
+              <a:t>ModbusSequentialDataBlock</a:t>
+            </a:r>
+            <a:r>
+              <a:rPr lang="en-US" b="0" dirty="0">
+                <a:solidFill>
+                  <a:srgbClr val="3B3B3B"/>
+                </a:solidFill>
+                <a:effectLst/>
+                <a:latin typeface="Consolas" panose="020B0609020204030204" pitchFamily="49" charset="0"/>
+              </a:rPr>
+              <a:t>(MODBUS_DATA_ADDRESS, [</a:t>
+            </a:r>
+            <a:r>
+              <a:rPr lang="en-US" b="0" dirty="0">
+                <a:solidFill>
+                  <a:srgbClr val="098658"/>
+                </a:solidFill>
+                <a:effectLst/>
+                <a:latin typeface="Consolas" panose="020B0609020204030204" pitchFamily="49" charset="0"/>
+              </a:rPr>
+              <a:t>0</a:t>
+            </a:r>
+            <a:r>
+              <a:rPr lang="en-US" b="0" dirty="0">
+                <a:solidFill>
+                  <a:srgbClr val="3B3B3B"/>
+                </a:solidFill>
+                <a:effectLst/>
+                <a:latin typeface="Consolas" panose="020B0609020204030204" pitchFamily="49" charset="0"/>
+              </a:rPr>
+              <a:t>]</a:t>
+            </a:r>
+            <a:r>
+              <a:rPr lang="en-US" b="0" dirty="0">
+                <a:solidFill>
+                  <a:srgbClr val="000000"/>
+                </a:solidFill>
+                <a:effectLst/>
+                <a:latin typeface="Consolas" panose="020B0609020204030204" pitchFamily="49" charset="0"/>
+              </a:rPr>
+              <a:t>*</a:t>
+            </a:r>
+            <a:r>
+              <a:rPr lang="en-US" b="0" dirty="0">
+                <a:solidFill>
+                  <a:srgbClr val="098658"/>
+                </a:solidFill>
+                <a:effectLst/>
+                <a:latin typeface="Consolas" panose="020B0609020204030204" pitchFamily="49" charset="0"/>
+              </a:rPr>
+              <a:t>1100</a:t>
+            </a:r>
+            <a:r>
+              <a:rPr lang="en-US" b="0" dirty="0">
+                <a:solidFill>
+                  <a:srgbClr val="3B3B3B"/>
+                </a:solidFill>
+                <a:effectLst/>
+                <a:latin typeface="Consolas" panose="020B0609020204030204" pitchFamily="49" charset="0"/>
+              </a:rPr>
+              <a:t>)</a:t>
+            </a:r>
           </a:p>
           <a:p>
             <a:pPr>
@@ -15338,147 +15444,77 @@
                 <a:effectLst/>
                 <a:latin typeface="Consolas" panose="020B0609020204030204" pitchFamily="49" charset="0"/>
               </a:rPr>
-              <a:t>    </a:t>
+              <a:t>    store </a:t>
             </a:r>
             <a:r>
               <a:rPr lang="en-US" b="0" dirty="0">
                 <a:solidFill>
+                  <a:srgbClr val="000000"/>
+                </a:solidFill>
+                <a:effectLst/>
+                <a:latin typeface="Consolas" panose="020B0609020204030204" pitchFamily="49" charset="0"/>
+              </a:rPr>
+              <a:t>=</a:t>
+            </a:r>
+            <a:r>
+              <a:rPr lang="en-US" b="0" dirty="0">
+                <a:solidFill>
+                  <a:srgbClr val="3B3B3B"/>
+                </a:solidFill>
+                <a:effectLst/>
+                <a:latin typeface="Consolas" panose="020B0609020204030204" pitchFamily="49" charset="0"/>
+              </a:rPr>
+              <a:t> </a:t>
+            </a:r>
+            <a:r>
+              <a:rPr lang="en-US" b="0" dirty="0" err="1">
+                <a:solidFill>
+                  <a:srgbClr val="3B3B3B"/>
+                </a:solidFill>
+                <a:effectLst/>
+                <a:latin typeface="Consolas" panose="020B0609020204030204" pitchFamily="49" charset="0"/>
+              </a:rPr>
+              <a:t>ModbusSlaveContext</a:t>
+            </a:r>
+            <a:r>
+              <a:rPr lang="en-US" b="0" dirty="0">
+                <a:solidFill>
+                  <a:srgbClr val="3B3B3B"/>
+                </a:solidFill>
+                <a:effectLst/>
+                <a:latin typeface="Consolas" panose="020B0609020204030204" pitchFamily="49" charset="0"/>
+              </a:rPr>
+              <a:t>(</a:t>
+            </a:r>
+            <a:r>
+              <a:rPr lang="en-US" b="0" dirty="0" err="1">
+                <a:solidFill>
                   <a:srgbClr val="001080"/>
                 </a:solidFill>
                 <a:effectLst/>
                 <a:latin typeface="Consolas" panose="020B0609020204030204" pitchFamily="49" charset="0"/>
               </a:rPr>
-              <a:t>block</a:t>
+              <a:t>hr</a:t>
             </a:r>
             <a:r>
               <a:rPr lang="en-US" b="0" dirty="0">
                 <a:solidFill>
-                  <a:srgbClr val="3B3B3B"/>
-                </a:solidFill>
-                <a:effectLst/>
-                <a:latin typeface="Consolas" panose="020B0609020204030204" pitchFamily="49" charset="0"/>
-              </a:rPr>
-              <a:t> </a:t>
+                  <a:srgbClr val="000000"/>
+                </a:solidFill>
+                <a:effectLst/>
+                <a:latin typeface="Consolas" panose="020B0609020204030204" pitchFamily="49" charset="0"/>
+              </a:rPr>
+              <a:t>=</a:t>
             </a:r>
             <a:r>
               <a:rPr lang="en-US" b="0" dirty="0">
                 <a:solidFill>
-                  <a:srgbClr val="000000"/>
-                </a:solidFill>
-                <a:effectLst/>
-                <a:latin typeface="Consolas" panose="020B0609020204030204" pitchFamily="49" charset="0"/>
-              </a:rPr>
-              <a:t>=</a:t>
-            </a:r>
-            <a:r>
-              <a:rPr lang="en-US" b="0" dirty="0">
-                <a:solidFill>
-                  <a:srgbClr val="3B3B3B"/>
-                </a:solidFill>
-                <a:effectLst/>
-                <a:latin typeface="Consolas" panose="020B0609020204030204" pitchFamily="49" charset="0"/>
-              </a:rPr>
-              <a:t> </a:t>
-            </a:r>
-            <a:r>
-              <a:rPr lang="en-US" b="0" dirty="0" err="1">
-                <a:solidFill>
-                  <a:srgbClr val="267F99"/>
-                </a:solidFill>
-                <a:effectLst/>
-                <a:latin typeface="Consolas" panose="020B0609020204030204" pitchFamily="49" charset="0"/>
-              </a:rPr>
-              <a:t>ModbusSequentialDataBlock</a:t>
-            </a:r>
-            <a:r>
-              <a:rPr lang="en-US" b="0" dirty="0">
-                <a:solidFill>
-                  <a:srgbClr val="3B3B3B"/>
-                </a:solidFill>
-                <a:effectLst/>
-                <a:latin typeface="Consolas" panose="020B0609020204030204" pitchFamily="49" charset="0"/>
-              </a:rPr>
-              <a:t>(</a:t>
-            </a:r>
-            <a:r>
-              <a:rPr lang="en-US" b="0" dirty="0">
-                <a:solidFill>
-                  <a:srgbClr val="0070C1"/>
-                </a:solidFill>
-                <a:effectLst/>
-                <a:latin typeface="Consolas" panose="020B0609020204030204" pitchFamily="49" charset="0"/>
-              </a:rPr>
-              <a:t>MODBUS_DATA_ADDRESS</a:t>
-            </a:r>
-            <a:r>
-              <a:rPr lang="en-US" b="0" dirty="0">
-                <a:solidFill>
-                  <a:srgbClr val="3B3B3B"/>
-                </a:solidFill>
-                <a:effectLst/>
-                <a:latin typeface="Consolas" panose="020B0609020204030204" pitchFamily="49" charset="0"/>
-              </a:rPr>
-              <a:t> </a:t>
-            </a:r>
-            <a:r>
-              <a:rPr lang="en-US" b="0" dirty="0">
-                <a:solidFill>
-                  <a:srgbClr val="000000"/>
-                </a:solidFill>
-                <a:effectLst/>
-                <a:latin typeface="Consolas" panose="020B0609020204030204" pitchFamily="49" charset="0"/>
-              </a:rPr>
-              <a:t>+</a:t>
-            </a:r>
-            <a:r>
-              <a:rPr lang="en-US" b="0" dirty="0">
-                <a:solidFill>
-                  <a:srgbClr val="3B3B3B"/>
-                </a:solidFill>
-                <a:effectLst/>
-                <a:latin typeface="Consolas" panose="020B0609020204030204" pitchFamily="49" charset="0"/>
-              </a:rPr>
-              <a:t> </a:t>
-            </a:r>
-            <a:r>
-              <a:rPr lang="en-US" b="0" dirty="0">
-                <a:solidFill>
-                  <a:srgbClr val="098658"/>
-                </a:solidFill>
-                <a:effectLst/>
-                <a:latin typeface="Consolas" panose="020B0609020204030204" pitchFamily="49" charset="0"/>
-              </a:rPr>
-              <a:t>1</a:t>
-            </a:r>
-            <a:r>
-              <a:rPr lang="en-US" b="0" dirty="0">
-                <a:solidFill>
-                  <a:srgbClr val="3B3B3B"/>
-                </a:solidFill>
-                <a:effectLst/>
-                <a:latin typeface="Consolas" panose="020B0609020204030204" pitchFamily="49" charset="0"/>
-              </a:rPr>
-              <a:t>, </a:t>
-            </a:r>
-            <a:r>
-              <a:rPr lang="en-US" b="0" dirty="0" err="1">
-                <a:solidFill>
-                  <a:srgbClr val="001080"/>
-                </a:solidFill>
-                <a:effectLst/>
-                <a:latin typeface="Consolas" panose="020B0609020204030204" pitchFamily="49" charset="0"/>
-              </a:rPr>
-              <a:t>register_values</a:t>
-            </a:r>
-            <a:r>
-              <a:rPr lang="en-US" b="0" dirty="0">
-                <a:solidFill>
-                  <a:srgbClr val="3B3B3B"/>
-                </a:solidFill>
-                <a:effectLst/>
-                <a:latin typeface="Consolas" panose="020B0609020204030204" pitchFamily="49" charset="0"/>
-              </a:rPr>
-              <a:t>)</a:t>
+                  <a:srgbClr val="3B3B3B"/>
+                </a:solidFill>
+                <a:effectLst/>
+                <a:latin typeface="Consolas" panose="020B0609020204030204" pitchFamily="49" charset="0"/>
+              </a:rPr>
+              <a:t>block)</a:t>
             </a:r>
           </a:p>
           <a:p>
@@ -15501,12 +15537,12 @@
             <a:r>
               <a:rPr lang="en-US" b="0" dirty="0">
                 <a:solidFill>
-                  <a:srgbClr val="001080"/>
-                </a:solidFill>
-                <a:effectLst/>
-                <a:latin typeface="Consolas" panose="020B0609020204030204" pitchFamily="49" charset="0"/>
-              </a:rPr>
-              <a:t>store</a:t>
+                  <a:srgbClr val="AF00DB"/>
+                </a:solidFill>
+                <a:effectLst/>
+                <a:latin typeface="Consolas" panose="020B0609020204030204" pitchFamily="49" charset="0"/>
+              </a:rPr>
+              <a:t>for</a:t>
             </a:r>
             <a:r>
               <a:rPr lang="en-US" b="0" dirty="0">
@@ -15519,18 +15555,38 @@
               <a:t> </a:t>
             </a:r>
             <a:r>
+              <a:rPr lang="en-US" b="0" dirty="0" err="1">
+                <a:solidFill>
+                  <a:srgbClr val="3B3B3B"/>
+                </a:solidFill>
+                <a:effectLst/>
+                <a:latin typeface="Consolas" panose="020B0609020204030204" pitchFamily="49" charset="0"/>
+              </a:rPr>
+              <a:t>i</a:t>
+            </a:r>
+            <a:r>
               <a:rPr lang="en-US" b="0" dirty="0">
                 <a:solidFill>
-                  <a:srgbClr val="000000"/>
-                </a:solidFill>
-                <a:effectLst/>
-                <a:latin typeface="Consolas" panose="020B0609020204030204" pitchFamily="49" charset="0"/>
-              </a:rPr>
-              <a:t>=</a:t>
+                  <a:srgbClr val="3B3B3B"/>
+                </a:solidFill>
+                <a:effectLst/>
+                <a:latin typeface="Consolas" panose="020B0609020204030204" pitchFamily="49" charset="0"/>
+              </a:rPr>
+              <a:t> </a:t>
             </a:r>
             <a:r>
               <a:rPr lang="en-US" b="0" dirty="0">
                 <a:solidFill>
+                  <a:srgbClr val="AF00DB"/>
+                </a:solidFill>
+                <a:effectLst/>
+                <a:latin typeface="Consolas" panose="020B0609020204030204" pitchFamily="49" charset="0"/>
+              </a:rPr>
+              <a:t>in</a:t>
+            </a:r>
+            <a:r>
+              <a:rPr lang="en-US" b="0" dirty="0">
+                <a:solidFill>
                   <a:srgbClr val="3B3B3B"/>
                 </a:solidFill>
                 <a:effectLst/>
@@ -15539,14 +15595,72 @@
               <a:t> </a:t>
             </a:r>
             <a:r>
+              <a:rPr lang="en-US" b="0" dirty="0">
+                <a:solidFill>
+                  <a:srgbClr val="795E26"/>
+                </a:solidFill>
+                <a:effectLst/>
+                <a:latin typeface="Consolas" panose="020B0609020204030204" pitchFamily="49" charset="0"/>
+              </a:rPr>
+              <a:t>range</a:t>
+            </a:r>
+            <a:r>
+              <a:rPr lang="en-US" b="0" dirty="0">
+                <a:solidFill>
+                  <a:srgbClr val="3B3B3B"/>
+                </a:solidFill>
+                <a:effectLst/>
+                <a:latin typeface="Consolas" panose="020B0609020204030204" pitchFamily="49" charset="0"/>
+              </a:rPr>
+              <a:t>(</a:t>
+            </a:r>
+            <a:r>
+              <a:rPr lang="en-US" b="0" dirty="0">
+                <a:solidFill>
+                  <a:srgbClr val="098658"/>
+                </a:solidFill>
+                <a:effectLst/>
+                <a:latin typeface="Consolas" panose="020B0609020204030204" pitchFamily="49" charset="0"/>
+              </a:rPr>
+              <a:t>3</a:t>
+            </a:r>
+            <a:r>
+              <a:rPr lang="en-US" b="0" dirty="0">
+                <a:solidFill>
+                  <a:srgbClr val="3B3B3B"/>
+                </a:solidFill>
+                <a:effectLst/>
+                <a:latin typeface="Consolas" panose="020B0609020204030204" pitchFamily="49" charset="0"/>
+              </a:rPr>
+              <a:t>):</a:t>
+            </a:r>
+          </a:p>
+          <a:p>
+            <a:pPr>
+              <a:lnSpc>
+                <a:spcPts val="1425"/>
+              </a:lnSpc>
+              <a:buNone/>
+            </a:pPr>
+            <a:r>
+              <a:rPr lang="en-US" b="0" dirty="0">
+                <a:solidFill>
+                  <a:srgbClr val="3B3B3B"/>
+                </a:solidFill>
+                <a:effectLst/>
+                <a:latin typeface="Consolas" panose="020B0609020204030204" pitchFamily="49" charset="0"/>
+              </a:rPr>
+              <a:t>        </a:t>
+            </a:r>
+            <a:r>
               <a:rPr lang="en-US" b="0" dirty="0" err="1">
                 <a:solidFill>
-                  <a:srgbClr val="267F99"/>
-                </a:solidFill>
-                <a:effectLst/>
-                <a:latin typeface="Consolas" panose="020B0609020204030204" pitchFamily="49" charset="0"/>
-              </a:rPr>
-              <a:t>ModbusSlaveContext</a:t>
+                  <a:srgbClr val="3B3B3B"/>
+                </a:solidFill>
+                <a:effectLst/>
+                <a:latin typeface="Consolas" panose="020B0609020204030204" pitchFamily="49" charset="0"/>
+              </a:rPr>
+              <a:t>store.setValues</a:t>
             </a:r>
             <a:r>
               <a:rPr lang="en-US" b="0" dirty="0">
@@ -15556,209 +15670,47 @@
                 <a:effectLst/>
                 <a:latin typeface="Consolas" panose="020B0609020204030204" pitchFamily="49" charset="0"/>
               </a:rPr>
-              <a:t>(</a:t>
+              <a:t>(FUNC_NUM, MODBUS_DATA_ADDRESS, [</a:t>
             </a:r>
             <a:r>
               <a:rPr lang="en-US" b="0" dirty="0" err="1">
                 <a:solidFill>
-                  <a:srgbClr val="001080"/>
-                </a:solidFill>
-                <a:effectLst/>
-                <a:latin typeface="Consolas" panose="020B0609020204030204" pitchFamily="49" charset="0"/>
-              </a:rPr>
-              <a:t>hr</a:t>
+                  <a:srgbClr val="3B3B3B"/>
+                </a:solidFill>
+                <a:effectLst/>
+                <a:latin typeface="Consolas" panose="020B0609020204030204" pitchFamily="49" charset="0"/>
+              </a:rPr>
+              <a:t>register_values</a:t>
             </a:r>
             <a:r>
               <a:rPr lang="en-US" b="0" dirty="0">
                 <a:solidFill>
-                  <a:srgbClr val="000000"/>
-                </a:solidFill>
-                <a:effectLst/>
-                <a:latin typeface="Consolas" panose="020B0609020204030204" pitchFamily="49" charset="0"/>
-              </a:rPr>
-              <a:t>=</a:t>
+                  <a:srgbClr val="3B3B3B"/>
+                </a:solidFill>
+                <a:effectLst/>
+                <a:latin typeface="Consolas" panose="020B0609020204030204" pitchFamily="49" charset="0"/>
+              </a:rPr>
+              <a:t>[</a:t>
+            </a:r>
+            <a:r>
+              <a:rPr lang="en-US" b="0" dirty="0" err="1">
+                <a:solidFill>
+                  <a:srgbClr val="3B3B3B"/>
+                </a:solidFill>
+                <a:effectLst/>
+                <a:latin typeface="Consolas" panose="020B0609020204030204" pitchFamily="49" charset="0"/>
+              </a:rPr>
+              <a:t>i</a:t>
             </a:r>
             <a:r>
               <a:rPr lang="en-US" b="0" dirty="0">
                 <a:solidFill>
-                  <a:srgbClr val="001080"/>
-                </a:solidFill>
-                <a:effectLst/>
-                <a:latin typeface="Consolas" panose="020B0609020204030204" pitchFamily="49" charset="0"/>
-              </a:rPr>
-              <a:t>block</a:t>
-            </a:r>
-            <a:r>
-              <a:rPr lang="en-US" b="0" dirty="0">
-                <a:solidFill>
-                  <a:srgbClr val="3B3B3B"/>
-                </a:solidFill>
-                <a:effectLst/>
-                <a:latin typeface="Consolas" panose="020B0609020204030204" pitchFamily="49" charset="0"/>
-              </a:rPr>
-              <a:t>)</a:t>
-            </a:r>
-            <a:br>
-              <a:rPr lang="en-US" b="0" dirty="0">
-                <a:solidFill>
-                  <a:srgbClr val="3B3B3B"/>
-                </a:solidFill>
-                <a:effectLst/>
-                <a:latin typeface="Consolas" panose="020B0609020204030204" pitchFamily="49" charset="0"/>
-              </a:rPr>
-            </a:br>
-            <a:r>
-              <a:rPr lang="en-US" b="0" dirty="0">
-                <a:solidFill>
-                  <a:srgbClr val="3B3B3B"/>
-                </a:solidFill>
-                <a:effectLst/>
-                <a:latin typeface="Consolas" panose="020B0609020204030204" pitchFamily="49" charset="0"/>
-              </a:rPr>
-              <a:t>    </a:t>
-            </a:r>
-            <a:r>
-              <a:rPr lang="en-US" b="0" dirty="0">
-                <a:solidFill>
-                  <a:srgbClr val="001080"/>
-                </a:solidFill>
-                <a:effectLst/>
-                <a:highlight>
-                  <a:srgbClr val="FFFF00"/>
-                </a:highlight>
-                <a:latin typeface="Consolas" panose="020B0609020204030204" pitchFamily="49" charset="0"/>
-              </a:rPr>
-              <a:t>context</a:t>
-            </a:r>
-            <a:r>
-              <a:rPr lang="en-US" b="0" dirty="0">
-                <a:solidFill>
-                  <a:srgbClr val="3B3B3B"/>
-                </a:solidFill>
-                <a:effectLst/>
-                <a:latin typeface="Consolas" panose="020B0609020204030204" pitchFamily="49" charset="0"/>
-              </a:rPr>
-              <a:t> </a:t>
-            </a:r>
-            <a:r>
-              <a:rPr lang="en-US" b="0" dirty="0">
-                <a:solidFill>
-                  <a:srgbClr val="000000"/>
-                </a:solidFill>
-                <a:effectLst/>
-                <a:latin typeface="Consolas" panose="020B0609020204030204" pitchFamily="49" charset="0"/>
-              </a:rPr>
-              <a:t>=</a:t>
-            </a:r>
-            <a:r>
-              <a:rPr lang="en-US" b="0" dirty="0">
-                <a:solidFill>
-                  <a:srgbClr val="3B3B3B"/>
-                </a:solidFill>
-                <a:effectLst/>
-                <a:latin typeface="Consolas" panose="020B0609020204030204" pitchFamily="49" charset="0"/>
-              </a:rPr>
-              <a:t> </a:t>
-            </a:r>
-            <a:r>
-              <a:rPr lang="en-US" b="0" dirty="0" err="1">
-                <a:solidFill>
-                  <a:srgbClr val="267F99"/>
-                </a:solidFill>
-                <a:effectLst/>
-                <a:latin typeface="Consolas" panose="020B0609020204030204" pitchFamily="49" charset="0"/>
-              </a:rPr>
-              <a:t>ModbusServerContext</a:t>
-            </a:r>
-            <a:r>
-              <a:rPr lang="en-US" b="0" dirty="0">
-                <a:solidFill>
-                  <a:srgbClr val="3B3B3B"/>
-                </a:solidFill>
-                <a:effectLst/>
-                <a:latin typeface="Consolas" panose="020B0609020204030204" pitchFamily="49" charset="0"/>
-              </a:rPr>
-              <a:t>(</a:t>
-            </a:r>
-            <a:r>
-              <a:rPr lang="en-US" b="0" dirty="0">
-                <a:solidFill>
-                  <a:srgbClr val="001080"/>
-                </a:solidFill>
-                <a:effectLst/>
-                <a:latin typeface="Consolas" panose="020B0609020204030204" pitchFamily="49" charset="0"/>
-              </a:rPr>
-              <a:t>slaves</a:t>
-            </a:r>
-            <a:r>
-              <a:rPr lang="en-US" b="0" dirty="0">
-                <a:solidFill>
-                  <a:srgbClr val="000000"/>
-                </a:solidFill>
-                <a:effectLst/>
-                <a:latin typeface="Consolas" panose="020B0609020204030204" pitchFamily="49" charset="0"/>
-              </a:rPr>
-              <a:t>=</a:t>
-            </a:r>
-            <a:r>
-              <a:rPr lang="en-US" b="0" dirty="0">
-                <a:solidFill>
-                  <a:srgbClr val="001080"/>
-                </a:solidFill>
-                <a:effectLst/>
-                <a:latin typeface="Consolas" panose="020B0609020204030204" pitchFamily="49" charset="0"/>
-              </a:rPr>
-              <a:t>store</a:t>
-            </a:r>
-            <a:r>
-              <a:rPr lang="en-US" b="0" dirty="0">
-                <a:solidFill>
-                  <a:srgbClr val="3B3B3B"/>
-                </a:solidFill>
-                <a:effectLst/>
-                <a:latin typeface="Consolas" panose="020B0609020204030204" pitchFamily="49" charset="0"/>
-              </a:rPr>
-              <a:t>, </a:t>
-            </a:r>
-            <a:r>
-              <a:rPr lang="en-US" b="0" dirty="0">
-                <a:solidFill>
-                  <a:srgbClr val="001080"/>
-                </a:solidFill>
-                <a:effectLst/>
-                <a:latin typeface="Consolas" panose="020B0609020204030204" pitchFamily="49" charset="0"/>
-              </a:rPr>
-              <a:t>single</a:t>
-            </a:r>
-            <a:r>
-              <a:rPr lang="en-US" b="0" dirty="0">
-                <a:solidFill>
-                  <a:srgbClr val="000000"/>
-                </a:solidFill>
-                <a:effectLst/>
-                <a:latin typeface="Consolas" panose="020B0609020204030204" pitchFamily="49" charset="0"/>
-              </a:rPr>
-              <a:t>=</a:t>
-            </a:r>
-            <a:r>
-              <a:rPr lang="en-US" b="0" dirty="0">
-                <a:solidFill>
-                  <a:srgbClr val="0000FF"/>
-                </a:solidFill>
-                <a:effectLst/>
-                <a:latin typeface="Consolas" panose="020B0609020204030204" pitchFamily="49" charset="0"/>
-              </a:rPr>
-              <a:t>True</a:t>
-            </a:r>
-            <a:r>
-              <a:rPr lang="en-US" b="0" dirty="0">
-                <a:solidFill>
-                  <a:srgbClr val="3B3B3B"/>
-                </a:solidFill>
-                <a:effectLst/>
-                <a:latin typeface="Consolas" panose="020B0609020204030204" pitchFamily="49" charset="0"/>
-              </a:rPr>
-              <a:t>)</a:t>
+                  <a:srgbClr val="3B3B3B"/>
+                </a:solidFill>
+                <a:effectLst/>
+                <a:latin typeface="Consolas" panose="020B0609020204030204" pitchFamily="49" charset="0"/>
+              </a:rPr>
+              <a:t>]])</a:t>
             </a:r>
           </a:p>
           <a:p>
@@ -15790,42 +15742,7 @@
             <a:r>
               <a:rPr lang="en-US" b="0" dirty="0">
                 <a:solidFill>
-                  <a:srgbClr val="008000"/>
-                </a:solidFill>
-                <a:effectLst/>
-                <a:latin typeface="Consolas" panose="020B0609020204030204" pitchFamily="49" charset="0"/>
-              </a:rPr>
-              <a:t># To identify the IED</a:t>
-            </a:r>
-            <a:endParaRPr lang="en-US" b="0" dirty="0">
-              <a:solidFill>
-                <a:srgbClr val="3B3B3B"/>
-              </a:solidFill>
-              <a:effectLst/>
-              <a:latin typeface="Consolas" panose="020B0609020204030204" pitchFamily="49" charset="0"/>
-            </a:endParaRPr>
-          </a:p>
-          <a:p>
-            <a:pPr>
-              <a:lnSpc>
-                <a:spcPts val="1425"/>
-              </a:lnSpc>
-              <a:buNone/>
-            </a:pPr>
-            <a:r>
-              <a:rPr lang="en-US" b="0" dirty="0">
-                <a:solidFill>
-                  <a:srgbClr val="3B3B3B"/>
-                </a:solidFill>
-                <a:effectLst/>
-                <a:latin typeface="Consolas" panose="020B0609020204030204" pitchFamily="49" charset="0"/>
-              </a:rPr>
-              <a:t>    </a:t>
-            </a:r>
-            <a:r>
-              <a:rPr lang="en-US" b="0" dirty="0">
-                <a:solidFill>
-                  <a:srgbClr val="001080"/>
+                  <a:srgbClr val="3B3B3B"/>
                 </a:solidFill>
                 <a:effectLst/>
                 <a:highlight>
@@ -15833,7 +15750,7 @@
                 </a:highlight>
                 <a:latin typeface="Consolas" panose="020B0609020204030204" pitchFamily="49" charset="0"/>
               </a:rPr>
-              <a:t>identity</a:t>
+              <a:t>context</a:t>
             </a:r>
             <a:r>
               <a:rPr lang="en-US" b="0" dirty="0">
@@ -15868,12 +15785,12 @@
             <a:r>
               <a:rPr lang="en-US" b="0" dirty="0" err="1">
                 <a:solidFill>
-                  <a:srgbClr val="795E26"/>
-                </a:solidFill>
-                <a:effectLst/>
-                <a:latin typeface="Consolas" panose="020B0609020204030204" pitchFamily="49" charset="0"/>
-              </a:rPr>
-              <a:t>create_identity</a:t>
+                  <a:srgbClr val="3B3B3B"/>
+                </a:solidFill>
+                <a:effectLst/>
+                <a:latin typeface="Consolas" panose="020B0609020204030204" pitchFamily="49" charset="0"/>
+              </a:rPr>
+              <a:t>ModbusServerContext</a:t>
             </a:r>
             <a:r>
               <a:rPr lang="en-US" b="0" dirty="0">
@@ -15883,7 +15800,77 @@
                 <a:effectLst/>
                 <a:latin typeface="Consolas" panose="020B0609020204030204" pitchFamily="49" charset="0"/>
               </a:rPr>
-              <a:t>()</a:t>
+              <a:t>(</a:t>
+            </a:r>
+            <a:r>
+              <a:rPr lang="en-US" b="0" dirty="0">
+                <a:solidFill>
+                  <a:srgbClr val="001080"/>
+                </a:solidFill>
+                <a:effectLst/>
+                <a:latin typeface="Consolas" panose="020B0609020204030204" pitchFamily="49" charset="0"/>
+              </a:rPr>
+              <a:t>slaves</a:t>
+            </a:r>
+            <a:r>
+              <a:rPr lang="en-US" b="0" dirty="0">
+                <a:solidFill>
+                  <a:srgbClr val="000000"/>
+                </a:solidFill>
+                <a:effectLst/>
+                <a:latin typeface="Consolas" panose="020B0609020204030204" pitchFamily="49" charset="0"/>
+              </a:rPr>
+              <a:t>=</a:t>
+            </a:r>
+            <a:r>
+              <a:rPr lang="en-US" b="0" dirty="0">
+                <a:solidFill>
+                  <a:srgbClr val="3B3B3B"/>
+                </a:solidFill>
+                <a:effectLst/>
+                <a:latin typeface="Consolas" panose="020B0609020204030204" pitchFamily="49" charset="0"/>
+              </a:rPr>
+              <a:t>store, </a:t>
+            </a:r>
+            <a:r>
+              <a:rPr lang="en-US" b="0" dirty="0">
+                <a:solidFill>
+                  <a:srgbClr val="001080"/>
+                </a:solidFill>
+                <a:effectLst/>
+                <a:latin typeface="Consolas" panose="020B0609020204030204" pitchFamily="49" charset="0"/>
+              </a:rPr>
+              <a:t>single</a:t>
+            </a:r>
+            <a:r>
+              <a:rPr lang="en-US" b="0" dirty="0">
+                <a:solidFill>
+                  <a:srgbClr val="000000"/>
+                </a:solidFill>
+                <a:effectLst/>
+                <a:latin typeface="Consolas" panose="020B0609020204030204" pitchFamily="49" charset="0"/>
+              </a:rPr>
+              <a:t>=</a:t>
+            </a:r>
+            <a:r>
+              <a:rPr lang="en-US" b="0" dirty="0">
+                <a:solidFill>
+                  <a:srgbClr val="0000FF"/>
+                </a:solidFill>
+                <a:effectLst/>
+                <a:latin typeface="Consolas" panose="020B0609020204030204" pitchFamily="49" charset="0"/>
+              </a:rPr>
+              <a:t>True</a:t>
+            </a:r>
+            <a:r>
+              <a:rPr lang="en-US" b="0" dirty="0">
+                <a:solidFill>
+                  <a:srgbClr val="3B3B3B"/>
+                </a:solidFill>
+                <a:effectLst/>
+                <a:latin typeface="Consolas" panose="020B0609020204030204" pitchFamily="49" charset="0"/>
+              </a:rPr>
+              <a:t>)</a:t>
             </a:r>
           </a:p>
           <a:p>
@@ -15913,195 +15900,22 @@
               <a:t>    </a:t>
             </a:r>
             <a:r>
-              <a:rPr lang="en-US" b="0" dirty="0" err="1">
-                <a:solidFill>
-                  <a:srgbClr val="267F99"/>
-                </a:solidFill>
-                <a:effectLst/>
-                <a:latin typeface="Consolas" panose="020B0609020204030204" pitchFamily="49" charset="0"/>
-              </a:rPr>
-              <a:t>threading</a:t>
-            </a:r>
-            <a:r>
-              <a:rPr lang="en-US" b="0" dirty="0" err="1">
-                <a:solidFill>
-                  <a:srgbClr val="3B3B3B"/>
-                </a:solidFill>
-                <a:effectLst/>
-                <a:latin typeface="Consolas" panose="020B0609020204030204" pitchFamily="49" charset="0"/>
-              </a:rPr>
-              <a:t>.</a:t>
-            </a:r>
-            <a:r>
-              <a:rPr lang="en-US" b="0" dirty="0" err="1">
-                <a:solidFill>
-                  <a:srgbClr val="267F99"/>
-                </a:solidFill>
-                <a:effectLst/>
-                <a:latin typeface="Consolas" panose="020B0609020204030204" pitchFamily="49" charset="0"/>
-              </a:rPr>
-              <a:t>Thread</a:t>
-            </a:r>
-            <a:r>
               <a:rPr lang="en-US" b="0" dirty="0">
                 <a:solidFill>
-                  <a:srgbClr val="3B3B3B"/>
-                </a:solidFill>
-                <a:effectLst/>
-                <a:latin typeface="Consolas" panose="020B0609020204030204" pitchFamily="49" charset="0"/>
-              </a:rPr>
-              <a:t>(</a:t>
-            </a:r>
-            <a:r>
-              <a:rPr lang="en-US" b="0" dirty="0">
-                <a:solidFill>
-                  <a:srgbClr val="001080"/>
-                </a:solidFill>
-                <a:effectLst/>
-                <a:latin typeface="Consolas" panose="020B0609020204030204" pitchFamily="49" charset="0"/>
-              </a:rPr>
-              <a:t>target</a:t>
-            </a:r>
-            <a:r>
-              <a:rPr lang="en-US" b="0" dirty="0">
-                <a:solidFill>
-                  <a:srgbClr val="000000"/>
-                </a:solidFill>
-                <a:effectLst/>
-                <a:latin typeface="Consolas" panose="020B0609020204030204" pitchFamily="49" charset="0"/>
-              </a:rPr>
-              <a:t>=</a:t>
-            </a:r>
-            <a:r>
-              <a:rPr lang="en-US" b="0" dirty="0" err="1">
-                <a:solidFill>
-                  <a:srgbClr val="795E26"/>
-                </a:solidFill>
-                <a:effectLst/>
-                <a:latin typeface="Consolas" panose="020B0609020204030204" pitchFamily="49" charset="0"/>
-              </a:rPr>
-              <a:t>poll_database_and_update</a:t>
-            </a:r>
-            <a:r>
-              <a:rPr lang="en-US" b="0" dirty="0">
-                <a:solidFill>
-                  <a:srgbClr val="3B3B3B"/>
-                </a:solidFill>
-                <a:effectLst/>
-                <a:latin typeface="Consolas" panose="020B0609020204030204" pitchFamily="49" charset="0"/>
-              </a:rPr>
-              <a:t>, </a:t>
-            </a:r>
-            <a:r>
-              <a:rPr lang="en-US" b="0" dirty="0" err="1">
-                <a:solidFill>
-                  <a:srgbClr val="001080"/>
-                </a:solidFill>
-                <a:effectLst/>
-                <a:latin typeface="Consolas" panose="020B0609020204030204" pitchFamily="49" charset="0"/>
-              </a:rPr>
-              <a:t>args</a:t>
-            </a:r>
-            <a:r>
-              <a:rPr lang="en-US" b="0" dirty="0">
-                <a:solidFill>
-                  <a:srgbClr val="000000"/>
-                </a:solidFill>
-                <a:effectLst/>
-                <a:latin typeface="Consolas" panose="020B0609020204030204" pitchFamily="49" charset="0"/>
-              </a:rPr>
-              <a:t>=</a:t>
-            </a:r>
-            <a:r>
-              <a:rPr lang="en-US" b="0" dirty="0">
-                <a:solidFill>
-                  <a:srgbClr val="3B3B3B"/>
-                </a:solidFill>
-                <a:effectLst/>
-                <a:latin typeface="Consolas" panose="020B0609020204030204" pitchFamily="49" charset="0"/>
-              </a:rPr>
-              <a:t>(</a:t>
-            </a:r>
-            <a:r>
-              <a:rPr lang="en-US" b="0" dirty="0">
-                <a:solidFill>
-                  <a:srgbClr val="001080"/>
-                </a:solidFill>
-                <a:effectLst/>
-                <a:latin typeface="Consolas" panose="020B0609020204030204" pitchFamily="49" charset="0"/>
-              </a:rPr>
-              <a:t>context</a:t>
-            </a:r>
-            <a:r>
-              <a:rPr lang="en-US" b="0" dirty="0">
-                <a:solidFill>
-                  <a:srgbClr val="3B3B3B"/>
-                </a:solidFill>
-                <a:effectLst/>
-                <a:latin typeface="Consolas" panose="020B0609020204030204" pitchFamily="49" charset="0"/>
-              </a:rPr>
-              <a:t>,), </a:t>
-            </a:r>
-            <a:r>
-              <a:rPr lang="en-US" b="0" dirty="0">
-                <a:solidFill>
-                  <a:srgbClr val="001080"/>
-                </a:solidFill>
-                <a:effectLst/>
-                <a:latin typeface="Consolas" panose="020B0609020204030204" pitchFamily="49" charset="0"/>
-              </a:rPr>
-              <a:t>daemon</a:t>
-            </a:r>
-            <a:r>
-              <a:rPr lang="en-US" b="0" dirty="0">
-                <a:solidFill>
-                  <a:srgbClr val="000000"/>
-                </a:solidFill>
-                <a:effectLst/>
-                <a:latin typeface="Consolas" panose="020B0609020204030204" pitchFamily="49" charset="0"/>
-              </a:rPr>
-              <a:t>=</a:t>
-            </a:r>
-            <a:r>
-              <a:rPr lang="en-US" b="0" dirty="0">
-                <a:solidFill>
-                  <a:srgbClr val="0000FF"/>
-                </a:solidFill>
-                <a:effectLst/>
-                <a:latin typeface="Consolas" panose="020B0609020204030204" pitchFamily="49" charset="0"/>
-              </a:rPr>
-              <a:t>True</a:t>
-            </a:r>
-            <a:r>
-              <a:rPr lang="en-US" b="0" dirty="0">
-                <a:solidFill>
-                  <a:srgbClr val="3B3B3B"/>
-                </a:solidFill>
-                <a:effectLst/>
-                <a:latin typeface="Consolas" panose="020B0609020204030204" pitchFamily="49" charset="0"/>
-              </a:rPr>
-              <a:t>).</a:t>
-            </a:r>
-            <a:r>
-              <a:rPr lang="en-US" b="0" dirty="0">
-                <a:solidFill>
-                  <a:srgbClr val="795E26"/>
-                </a:solidFill>
-                <a:effectLst/>
-                <a:latin typeface="Consolas" panose="020B0609020204030204" pitchFamily="49" charset="0"/>
-              </a:rPr>
-              <a:t>start</a:t>
-            </a:r>
-            <a:r>
-              <a:rPr lang="en-US" b="0" dirty="0">
-                <a:solidFill>
-                  <a:srgbClr val="3B3B3B"/>
-                </a:solidFill>
-                <a:effectLst/>
-                <a:latin typeface="Consolas" panose="020B0609020204030204" pitchFamily="49" charset="0"/>
-              </a:rPr>
-              <a:t>()</a:t>
-            </a:r>
+                  <a:srgbClr val="008000"/>
+                </a:solidFill>
+                <a:effectLst/>
+                <a:latin typeface="Consolas" panose="020B0609020204030204" pitchFamily="49" charset="0"/>
+              </a:rPr>
+              <a:t># To identify the IED</a:t>
+            </a:r>
+            <a:endParaRPr lang="en-US" b="0" dirty="0">
+              <a:solidFill>
+                <a:srgbClr val="3B3B3B"/>
+              </a:solidFill>
+              <a:effectLst/>
+              <a:latin typeface="Consolas" panose="020B0609020204030204" pitchFamily="49" charset="0"/>
+            </a:endParaRPr>
           </a:p>
           <a:p>
             <a:pPr>
@@ -16121,184 +15935,57 @@
               <a:t>    </a:t>
             </a:r>
             <a:r>
+              <a:rPr lang="en-US" b="0" dirty="0">
+                <a:solidFill>
+                  <a:srgbClr val="3B3B3B"/>
+                </a:solidFill>
+                <a:effectLst/>
+                <a:highlight>
+                  <a:srgbClr val="FFFF00"/>
+                </a:highlight>
+                <a:latin typeface="Consolas" panose="020B0609020204030204" pitchFamily="49" charset="0"/>
+              </a:rPr>
+              <a:t>identity</a:t>
+            </a:r>
+            <a:r>
+              <a:rPr lang="en-US" b="0" dirty="0">
+                <a:solidFill>
+                  <a:srgbClr val="3B3B3B"/>
+                </a:solidFill>
+                <a:effectLst/>
+                <a:latin typeface="Consolas" panose="020B0609020204030204" pitchFamily="49" charset="0"/>
+              </a:rPr>
+              <a:t> </a:t>
+            </a:r>
+            <a:r>
+              <a:rPr lang="en-US" b="0" dirty="0">
+                <a:solidFill>
+                  <a:srgbClr val="000000"/>
+                </a:solidFill>
+                <a:effectLst/>
+                <a:latin typeface="Consolas" panose="020B0609020204030204" pitchFamily="49" charset="0"/>
+              </a:rPr>
+              <a:t>=</a:t>
+            </a:r>
+            <a:r>
+              <a:rPr lang="en-US" b="0" dirty="0">
+                <a:solidFill>
+                  <a:srgbClr val="3B3B3B"/>
+                </a:solidFill>
+                <a:effectLst/>
+                <a:latin typeface="Consolas" panose="020B0609020204030204" pitchFamily="49" charset="0"/>
+              </a:rPr>
+              <a:t> </a:t>
+            </a:r>
+            <a:r>
               <a:rPr lang="en-US" b="0" dirty="0" err="1">
                 <a:solidFill>
-                  <a:srgbClr val="267F99"/>
-                </a:solidFill>
-                <a:effectLst/>
-                <a:latin typeface="Consolas" panose="020B0609020204030204" pitchFamily="49" charset="0"/>
-              </a:rPr>
-              <a:t>threading</a:t>
-            </a:r>
-            <a:r>
-              <a:rPr lang="en-US" b="0" dirty="0" err="1">
-                <a:solidFill>
-                  <a:srgbClr val="3B3B3B"/>
-                </a:solidFill>
-                <a:effectLst/>
-                <a:latin typeface="Consolas" panose="020B0609020204030204" pitchFamily="49" charset="0"/>
-              </a:rPr>
-              <a:t>.</a:t>
-            </a:r>
-            <a:r>
-              <a:rPr lang="en-US" b="0" dirty="0" err="1">
-                <a:solidFill>
-                  <a:srgbClr val="267F99"/>
-                </a:solidFill>
-                <a:effectLst/>
-                <a:latin typeface="Consolas" panose="020B0609020204030204" pitchFamily="49" charset="0"/>
-              </a:rPr>
-              <a:t>Thread</a:t>
-            </a:r>
-            <a:r>
-              <a:rPr lang="en-US" b="0" dirty="0">
-                <a:solidFill>
-                  <a:srgbClr val="3B3B3B"/>
-                </a:solidFill>
-                <a:effectLst/>
-                <a:latin typeface="Consolas" panose="020B0609020204030204" pitchFamily="49" charset="0"/>
-              </a:rPr>
-              <a:t>(</a:t>
-            </a:r>
-            <a:r>
-              <a:rPr lang="en-US" b="0" dirty="0">
-                <a:solidFill>
-                  <a:srgbClr val="001080"/>
-                </a:solidFill>
-                <a:effectLst/>
-                <a:latin typeface="Consolas" panose="020B0609020204030204" pitchFamily="49" charset="0"/>
-              </a:rPr>
-              <a:t>target</a:t>
-            </a:r>
-            <a:r>
-              <a:rPr lang="en-US" b="0" dirty="0">
-                <a:solidFill>
-                  <a:srgbClr val="000000"/>
-                </a:solidFill>
-                <a:effectLst/>
-                <a:latin typeface="Consolas" panose="020B0609020204030204" pitchFamily="49" charset="0"/>
-              </a:rPr>
-              <a:t>=</a:t>
-            </a:r>
-            <a:r>
-              <a:rPr lang="en-US" b="0" dirty="0" err="1">
-                <a:solidFill>
-                  <a:srgbClr val="795E26"/>
-                </a:solidFill>
-                <a:effectLst/>
-                <a:latin typeface="Consolas" panose="020B0609020204030204" pitchFamily="49" charset="0"/>
-              </a:rPr>
-              <a:t>monitor_modbus</a:t>
-            </a:r>
-            <a:r>
-              <a:rPr lang="en-US" b="0" dirty="0">
-                <a:solidFill>
-                  <a:srgbClr val="3B3B3B"/>
-                </a:solidFill>
-                <a:effectLst/>
-                <a:latin typeface="Consolas" panose="020B0609020204030204" pitchFamily="49" charset="0"/>
-              </a:rPr>
-              <a:t>, </a:t>
-            </a:r>
-            <a:r>
-              <a:rPr lang="en-US" b="0" dirty="0" err="1">
-                <a:solidFill>
-                  <a:srgbClr val="001080"/>
-                </a:solidFill>
-                <a:effectLst/>
-                <a:latin typeface="Consolas" panose="020B0609020204030204" pitchFamily="49" charset="0"/>
-              </a:rPr>
-              <a:t>args</a:t>
-            </a:r>
-            <a:r>
-              <a:rPr lang="en-US" b="0" dirty="0">
-                <a:solidFill>
-                  <a:srgbClr val="000000"/>
-                </a:solidFill>
-                <a:effectLst/>
-                <a:latin typeface="Consolas" panose="020B0609020204030204" pitchFamily="49" charset="0"/>
-              </a:rPr>
-              <a:t>=</a:t>
-            </a:r>
-            <a:r>
-              <a:rPr lang="en-US" b="0" dirty="0">
-                <a:solidFill>
-                  <a:srgbClr val="3B3B3B"/>
-                </a:solidFill>
-                <a:effectLst/>
-                <a:latin typeface="Consolas" panose="020B0609020204030204" pitchFamily="49" charset="0"/>
-              </a:rPr>
-              <a:t>(</a:t>
-            </a:r>
-            <a:r>
-              <a:rPr lang="en-US" b="0" dirty="0">
-                <a:solidFill>
-                  <a:srgbClr val="001080"/>
-                </a:solidFill>
-                <a:effectLst/>
-                <a:latin typeface="Consolas" panose="020B0609020204030204" pitchFamily="49" charset="0"/>
-              </a:rPr>
-              <a:t>context</a:t>
-            </a:r>
-            <a:r>
-              <a:rPr lang="en-US" b="0" dirty="0">
-                <a:solidFill>
-                  <a:srgbClr val="3B3B3B"/>
-                </a:solidFill>
-                <a:effectLst/>
-                <a:latin typeface="Consolas" panose="020B0609020204030204" pitchFamily="49" charset="0"/>
-              </a:rPr>
-              <a:t>,), </a:t>
-            </a:r>
-            <a:r>
-              <a:rPr lang="en-US" b="0" dirty="0">
-                <a:solidFill>
-                  <a:srgbClr val="001080"/>
-                </a:solidFill>
-                <a:effectLst/>
-                <a:latin typeface="Consolas" panose="020B0609020204030204" pitchFamily="49" charset="0"/>
-              </a:rPr>
-              <a:t>daemon</a:t>
-            </a:r>
-            <a:r>
-              <a:rPr lang="en-US" b="0" dirty="0">
-                <a:solidFill>
-                  <a:srgbClr val="000000"/>
-                </a:solidFill>
-                <a:effectLst/>
-                <a:latin typeface="Consolas" panose="020B0609020204030204" pitchFamily="49" charset="0"/>
-              </a:rPr>
-              <a:t>=</a:t>
-            </a:r>
-            <a:r>
-              <a:rPr lang="en-US" b="0" dirty="0">
-                <a:solidFill>
-                  <a:srgbClr val="0000FF"/>
-                </a:solidFill>
-                <a:effectLst/>
-                <a:latin typeface="Consolas" panose="020B0609020204030204" pitchFamily="49" charset="0"/>
-              </a:rPr>
-              <a:t>True</a:t>
-            </a:r>
-            <a:r>
-              <a:rPr lang="en-US" b="0" dirty="0">
-                <a:solidFill>
-                  <a:srgbClr val="3B3B3B"/>
-                </a:solidFill>
-                <a:effectLst/>
-                <a:latin typeface="Consolas" panose="020B0609020204030204" pitchFamily="49" charset="0"/>
-              </a:rPr>
-              <a:t>).</a:t>
-            </a:r>
-            <a:r>
-              <a:rPr lang="en-US" b="0" dirty="0">
-                <a:solidFill>
-                  <a:srgbClr val="795E26"/>
-                </a:solidFill>
-                <a:effectLst/>
-                <a:latin typeface="Consolas" panose="020B0609020204030204" pitchFamily="49" charset="0"/>
-              </a:rPr>
-              <a:t>start</a:t>
+                  <a:srgbClr val="3B3B3B"/>
+                </a:solidFill>
+                <a:effectLst/>
+                <a:latin typeface="Consolas" panose="020B0609020204030204" pitchFamily="49" charset="0"/>
+              </a:rPr>
+              <a:t>create_identity</a:t>
             </a:r>
             <a:r>
               <a:rPr lang="en-US" b="0" dirty="0">
@@ -16338,6 +16025,311 @@
               <a:t>    </a:t>
             </a:r>
             <a:r>
+              <a:rPr lang="en-US" b="0" dirty="0" err="1">
+                <a:solidFill>
+                  <a:srgbClr val="3B3B3B"/>
+                </a:solidFill>
+                <a:effectLst/>
+                <a:latin typeface="Consolas" panose="020B0609020204030204" pitchFamily="49" charset="0"/>
+              </a:rPr>
+              <a:t>threading.Thread</a:t>
+            </a:r>
+            <a:r>
+              <a:rPr lang="en-US" b="0" dirty="0">
+                <a:solidFill>
+                  <a:srgbClr val="3B3B3B"/>
+                </a:solidFill>
+                <a:effectLst/>
+                <a:latin typeface="Consolas" panose="020B0609020204030204" pitchFamily="49" charset="0"/>
+              </a:rPr>
+              <a:t>(</a:t>
+            </a:r>
+            <a:r>
+              <a:rPr lang="en-US" b="0" dirty="0">
+                <a:solidFill>
+                  <a:srgbClr val="001080"/>
+                </a:solidFill>
+                <a:effectLst/>
+                <a:latin typeface="Consolas" panose="020B0609020204030204" pitchFamily="49" charset="0"/>
+              </a:rPr>
+              <a:t>target</a:t>
+            </a:r>
+            <a:r>
+              <a:rPr lang="en-US" b="0" dirty="0">
+                <a:solidFill>
+                  <a:srgbClr val="000000"/>
+                </a:solidFill>
+                <a:effectLst/>
+                <a:latin typeface="Consolas" panose="020B0609020204030204" pitchFamily="49" charset="0"/>
+              </a:rPr>
+              <a:t>=</a:t>
+            </a:r>
+            <a:r>
+              <a:rPr lang="en-US" b="0" dirty="0" err="1">
+                <a:solidFill>
+                  <a:srgbClr val="3B3B3B"/>
+                </a:solidFill>
+                <a:effectLst/>
+                <a:latin typeface="Consolas" panose="020B0609020204030204" pitchFamily="49" charset="0"/>
+              </a:rPr>
+              <a:t>poll_database_and_update</a:t>
+            </a:r>
+            <a:r>
+              <a:rPr lang="en-US" b="0" dirty="0">
+                <a:solidFill>
+                  <a:srgbClr val="3B3B3B"/>
+                </a:solidFill>
+                <a:effectLst/>
+                <a:latin typeface="Consolas" panose="020B0609020204030204" pitchFamily="49" charset="0"/>
+              </a:rPr>
+              <a:t>, </a:t>
+            </a:r>
+            <a:r>
+              <a:rPr lang="en-US" b="0" dirty="0" err="1">
+                <a:solidFill>
+                  <a:srgbClr val="001080"/>
+                </a:solidFill>
+                <a:effectLst/>
+                <a:latin typeface="Consolas" panose="020B0609020204030204" pitchFamily="49" charset="0"/>
+              </a:rPr>
+              <a:t>args</a:t>
+            </a:r>
+            <a:r>
+              <a:rPr lang="en-US" b="0" dirty="0">
+                <a:solidFill>
+                  <a:srgbClr val="000000"/>
+                </a:solidFill>
+                <a:effectLst/>
+                <a:latin typeface="Consolas" panose="020B0609020204030204" pitchFamily="49" charset="0"/>
+              </a:rPr>
+              <a:t>=</a:t>
+            </a:r>
+            <a:r>
+              <a:rPr lang="en-US" b="0" dirty="0">
+                <a:solidFill>
+                  <a:srgbClr val="3B3B3B"/>
+                </a:solidFill>
+                <a:effectLst/>
+                <a:latin typeface="Consolas" panose="020B0609020204030204" pitchFamily="49" charset="0"/>
+              </a:rPr>
+              <a:t>(context,), </a:t>
+            </a:r>
+            <a:r>
+              <a:rPr lang="en-US" b="0" dirty="0">
+                <a:solidFill>
+                  <a:srgbClr val="001080"/>
+                </a:solidFill>
+                <a:effectLst/>
+                <a:latin typeface="Consolas" panose="020B0609020204030204" pitchFamily="49" charset="0"/>
+              </a:rPr>
+              <a:t>daemon</a:t>
+            </a:r>
+            <a:r>
+              <a:rPr lang="en-US" b="0" dirty="0">
+                <a:solidFill>
+                  <a:srgbClr val="000000"/>
+                </a:solidFill>
+                <a:effectLst/>
+                <a:latin typeface="Consolas" panose="020B0609020204030204" pitchFamily="49" charset="0"/>
+              </a:rPr>
+              <a:t>=</a:t>
+            </a:r>
+            <a:r>
+              <a:rPr lang="en-US" b="0" dirty="0">
+                <a:solidFill>
+                  <a:srgbClr val="0000FF"/>
+                </a:solidFill>
+                <a:effectLst/>
+                <a:latin typeface="Consolas" panose="020B0609020204030204" pitchFamily="49" charset="0"/>
+              </a:rPr>
+              <a:t>True</a:t>
+            </a:r>
+            <a:r>
+              <a:rPr lang="en-US" b="0" dirty="0">
+                <a:solidFill>
+                  <a:srgbClr val="3B3B3B"/>
+                </a:solidFill>
+                <a:effectLst/>
+                <a:latin typeface="Consolas" panose="020B0609020204030204" pitchFamily="49" charset="0"/>
+              </a:rPr>
+              <a:t>).start()</a:t>
+            </a:r>
+          </a:p>
+          <a:p>
+            <a:pPr>
+              <a:lnSpc>
+                <a:spcPts val="1425"/>
+              </a:lnSpc>
+              <a:buNone/>
+            </a:pPr>
+            <a:r>
+              <a:rPr lang="en-US" b="0" dirty="0">
+                <a:solidFill>
+                  <a:srgbClr val="3B3B3B"/>
+                </a:solidFill>
+                <a:effectLst/>
+                <a:latin typeface="Consolas" panose="020B0609020204030204" pitchFamily="49" charset="0"/>
+              </a:rPr>
+              <a:t>    </a:t>
+            </a:r>
+            <a:r>
+              <a:rPr lang="en-US" b="0" dirty="0" err="1">
+                <a:solidFill>
+                  <a:srgbClr val="3B3B3B"/>
+                </a:solidFill>
+                <a:effectLst/>
+                <a:latin typeface="Consolas" panose="020B0609020204030204" pitchFamily="49" charset="0"/>
+              </a:rPr>
+              <a:t>threading.Thread</a:t>
+            </a:r>
+            <a:r>
+              <a:rPr lang="en-US" b="0" dirty="0">
+                <a:solidFill>
+                  <a:srgbClr val="3B3B3B"/>
+                </a:solidFill>
+                <a:effectLst/>
+                <a:latin typeface="Consolas" panose="020B0609020204030204" pitchFamily="49" charset="0"/>
+              </a:rPr>
+              <a:t>(</a:t>
+            </a:r>
+            <a:r>
+              <a:rPr lang="en-US" b="0" dirty="0">
+                <a:solidFill>
+                  <a:srgbClr val="001080"/>
+                </a:solidFill>
+                <a:effectLst/>
+                <a:latin typeface="Consolas" panose="020B0609020204030204" pitchFamily="49" charset="0"/>
+              </a:rPr>
+              <a:t>target</a:t>
+            </a:r>
+            <a:r>
+              <a:rPr lang="en-US" b="0" dirty="0">
+                <a:solidFill>
+                  <a:srgbClr val="000000"/>
+                </a:solidFill>
+                <a:effectLst/>
+                <a:latin typeface="Consolas" panose="020B0609020204030204" pitchFamily="49" charset="0"/>
+              </a:rPr>
+              <a:t>=</a:t>
+            </a:r>
+            <a:r>
+              <a:rPr lang="en-US" b="0" dirty="0" err="1">
+                <a:solidFill>
+                  <a:srgbClr val="3B3B3B"/>
+                </a:solidFill>
+                <a:effectLst/>
+                <a:latin typeface="Consolas" panose="020B0609020204030204" pitchFamily="49" charset="0"/>
+              </a:rPr>
+              <a:t>monitor_modbus</a:t>
+            </a:r>
+            <a:r>
+              <a:rPr lang="en-US" b="0" dirty="0">
+                <a:solidFill>
+                  <a:srgbClr val="3B3B3B"/>
+                </a:solidFill>
+                <a:effectLst/>
+                <a:latin typeface="Consolas" panose="020B0609020204030204" pitchFamily="49" charset="0"/>
+              </a:rPr>
+              <a:t>, </a:t>
+            </a:r>
+            <a:r>
+              <a:rPr lang="en-US" b="0" dirty="0" err="1">
+                <a:solidFill>
+                  <a:srgbClr val="001080"/>
+                </a:solidFill>
+                <a:effectLst/>
+                <a:latin typeface="Consolas" panose="020B0609020204030204" pitchFamily="49" charset="0"/>
+              </a:rPr>
+              <a:t>args</a:t>
+            </a:r>
+            <a:r>
+              <a:rPr lang="en-US" b="0" dirty="0">
+                <a:solidFill>
+                  <a:srgbClr val="000000"/>
+                </a:solidFill>
+                <a:effectLst/>
+                <a:latin typeface="Consolas" panose="020B0609020204030204" pitchFamily="49" charset="0"/>
+              </a:rPr>
+              <a:t>=</a:t>
+            </a:r>
+            <a:r>
+              <a:rPr lang="en-US" b="0" dirty="0">
+                <a:solidFill>
+                  <a:srgbClr val="3B3B3B"/>
+                </a:solidFill>
+                <a:effectLst/>
+                <a:latin typeface="Consolas" panose="020B0609020204030204" pitchFamily="49" charset="0"/>
+              </a:rPr>
+              <a:t>(context,), </a:t>
+            </a:r>
+            <a:r>
+              <a:rPr lang="en-US" b="0" dirty="0">
+                <a:solidFill>
+                  <a:srgbClr val="001080"/>
+                </a:solidFill>
+                <a:effectLst/>
+                <a:latin typeface="Consolas" panose="020B0609020204030204" pitchFamily="49" charset="0"/>
+              </a:rPr>
+              <a:t>daemon</a:t>
+            </a:r>
+            <a:r>
+              <a:rPr lang="en-US" b="0" dirty="0">
+                <a:solidFill>
+                  <a:srgbClr val="000000"/>
+                </a:solidFill>
+                <a:effectLst/>
+                <a:latin typeface="Consolas" panose="020B0609020204030204" pitchFamily="49" charset="0"/>
+              </a:rPr>
+              <a:t>=</a:t>
+            </a:r>
+            <a:r>
+              <a:rPr lang="en-US" b="0" dirty="0">
+                <a:solidFill>
+                  <a:srgbClr val="0000FF"/>
+                </a:solidFill>
+                <a:effectLst/>
+                <a:latin typeface="Consolas" panose="020B0609020204030204" pitchFamily="49" charset="0"/>
+              </a:rPr>
+              <a:t>True</a:t>
+            </a:r>
+            <a:r>
+              <a:rPr lang="en-US" b="0" dirty="0">
+                <a:solidFill>
+                  <a:srgbClr val="3B3B3B"/>
+                </a:solidFill>
+                <a:effectLst/>
+                <a:latin typeface="Consolas" panose="020B0609020204030204" pitchFamily="49" charset="0"/>
+              </a:rPr>
+              <a:t>).start()</a:t>
+            </a:r>
+          </a:p>
+          <a:p>
+            <a:pPr>
+              <a:lnSpc>
+                <a:spcPts val="1425"/>
+              </a:lnSpc>
+              <a:buNone/>
+            </a:pPr>
+            <a:br>
+              <a:rPr lang="en-US" b="0" dirty="0">
+                <a:solidFill>
+                  <a:srgbClr val="3B3B3B"/>
+                </a:solidFill>
+                <a:effectLst/>
+                <a:latin typeface="Consolas" panose="020B0609020204030204" pitchFamily="49" charset="0"/>
+              </a:rPr>
+            </a:br>
+            <a:r>
+              <a:rPr lang="en-US" b="0" dirty="0">
+                <a:solidFill>
+                  <a:srgbClr val="3B3B3B"/>
+                </a:solidFill>
+                <a:effectLst/>
+                <a:latin typeface="Consolas" panose="020B0609020204030204" pitchFamily="49" charset="0"/>
+              </a:rPr>
+              <a:t>    </a:t>
+            </a:r>
+            <a:r>
               <a:rPr lang="en-US" b="0" dirty="0">
                 <a:solidFill>
                   <a:srgbClr val="008000"/>
@@ -16375,7 +16367,7 @@
             <a:r>
               <a:rPr lang="en-US" b="0" dirty="0" err="1">
                 <a:solidFill>
-                  <a:srgbClr val="795E26"/>
+                  <a:srgbClr val="3B3B3B"/>
                 </a:solidFill>
                 <a:effectLst/>
                 <a:latin typeface="Consolas" panose="020B0609020204030204" pitchFamily="49" charset="0"/>
@@ -16429,9 +16421,6 @@
                   <a:srgbClr val="000000"/>
                 </a:solidFill>
                 <a:effectLst/>
-                <a:highlight>
-                  <a:srgbClr val="FFFF00"/>
-                </a:highlight>
                 <a:latin typeface="Consolas" panose="020B0609020204030204" pitchFamily="49" charset="0"/>
               </a:rPr>
               <a:t>=</a:t>
@@ -16439,28 +16428,12 @@
             <a:r>
               <a:rPr lang="en-US" b="0" dirty="0">
                 <a:solidFill>
-                  <a:srgbClr val="001080"/>
-                </a:solidFill>
-                <a:effectLst/>
-                <a:highlight>
-                  <a:srgbClr val="FFFF00"/>
-                </a:highlight>
-                <a:latin typeface="Consolas" panose="020B0609020204030204" pitchFamily="49" charset="0"/>
-              </a:rPr>
-              <a:t>context</a:t>
-            </a:r>
-            <a:r>
-              <a:rPr lang="en-US" b="0" dirty="0">
-                <a:solidFill>
-                  <a:srgbClr val="3B3B3B"/>
-                </a:solidFill>
-                <a:effectLst/>
-                <a:highlight>
-                  <a:srgbClr val="FFFF00"/>
-                </a:highlight>
-                <a:latin typeface="Consolas" panose="020B0609020204030204" pitchFamily="49" charset="0"/>
-              </a:rPr>
-              <a:t>,</a:t>
+                  <a:srgbClr val="3B3B3B"/>
+                </a:solidFill>
+                <a:effectLst/>
+                <a:latin typeface="Consolas" panose="020B0609020204030204" pitchFamily="49" charset="0"/>
+              </a:rPr>
+              <a:t>context,</a:t>
             </a:r>
           </a:p>
           <a:p>
@@ -16499,9 +16472,6 @@
                   <a:srgbClr val="000000"/>
                 </a:solidFill>
                 <a:effectLst/>
-                <a:highlight>
-                  <a:srgbClr val="FFFF00"/>
-                </a:highlight>
                 <a:latin typeface="Consolas" panose="020B0609020204030204" pitchFamily="49" charset="0"/>
               </a:rPr>
               <a:t>=</a:t>
@@ -16509,28 +16479,12 @@
             <a:r>
               <a:rPr lang="en-US" b="0" dirty="0">
                 <a:solidFill>
-                  <a:srgbClr val="001080"/>
-                </a:solidFill>
-                <a:effectLst/>
-                <a:highlight>
-                  <a:srgbClr val="FFFF00"/>
-                </a:highlight>
-                <a:latin typeface="Consolas" panose="020B0609020204030204" pitchFamily="49" charset="0"/>
-              </a:rPr>
-              <a:t>identity</a:t>
-            </a:r>
-            <a:r>
-              <a:rPr lang="en-US" b="0" dirty="0">
-                <a:solidFill>
-                  <a:srgbClr val="3B3B3B"/>
-                </a:solidFill>
-                <a:effectLst/>
-                <a:highlight>
-                  <a:srgbClr val="FFFF00"/>
-                </a:highlight>
-                <a:latin typeface="Consolas" panose="020B0609020204030204" pitchFamily="49" charset="0"/>
-              </a:rPr>
-              <a:t>,</a:t>
+                  <a:srgbClr val="3B3B3B"/>
+                </a:solidFill>
+                <a:effectLst/>
+                <a:latin typeface="Consolas" panose="020B0609020204030204" pitchFamily="49" charset="0"/>
+              </a:rPr>
+              <a:t>identity,</a:t>
             </a:r>
           </a:p>
           <a:p>
@@ -16556,9 +16510,6 @@
                   <a:srgbClr val="001080"/>
                 </a:solidFill>
                 <a:effectLst/>
-                <a:highlight>
-                  <a:srgbClr val="FFFF00"/>
-                </a:highlight>
                 <a:latin typeface="Consolas" panose="020B0609020204030204" pitchFamily="49" charset="0"/>
               </a:rPr>
               <a:t>address</a:t>
@@ -16569,9 +16520,6 @@
                   <a:srgbClr val="000000"/>
                 </a:solidFill>
                 <a:effectLst/>
-                <a:highlight>
-                  <a:srgbClr val="FFFF00"/>
-                </a:highlight>
                 <a:latin typeface="Consolas" panose="020B0609020204030204" pitchFamily="49" charset="0"/>
               </a:rPr>
               <a:t>=</a:t>
@@ -16582,9 +16530,6 @@
                   <a:srgbClr val="3B3B3B"/>
                 </a:solidFill>
                 <a:effectLst/>
-                <a:highlight>
-                  <a:srgbClr val="FFFF00"/>
-                </a:highlight>
                 <a:latin typeface="Consolas" panose="020B0609020204030204" pitchFamily="49" charset="0"/>
               </a:rPr>
               <a:t>(</a:t>
@@ -16595,9 +16540,6 @@
                   <a:srgbClr val="A31515"/>
                 </a:solidFill>
                 <a:effectLst/>
-                <a:highlight>
-                  <a:srgbClr val="FFFF00"/>
-                </a:highlight>
                 <a:latin typeface="Consolas" panose="020B0609020204030204" pitchFamily="49" charset="0"/>
               </a:rPr>
               <a:t>"0.0.0.0"</a:t>
@@ -16608,9 +16550,6 @@
                   <a:srgbClr val="3B3B3B"/>
                 </a:solidFill>
                 <a:effectLst/>
-                <a:highlight>
-                  <a:srgbClr val="FFFF00"/>
-                </a:highlight>
                 <a:latin typeface="Consolas" panose="020B0609020204030204" pitchFamily="49" charset="0"/>
               </a:rPr>
               <a:t>, </a:t>
@@ -16621,9 +16560,6 @@
                   <a:srgbClr val="098658"/>
                 </a:solidFill>
                 <a:effectLst/>
-                <a:highlight>
-                  <a:srgbClr val="FFFF00"/>
-                </a:highlight>
                 <a:latin typeface="Consolas" panose="020B0609020204030204" pitchFamily="49" charset="0"/>
               </a:rPr>
               <a:t>5020</a:t>
@@ -16634,12 +16570,27 @@
                   <a:srgbClr val="3B3B3B"/>
                 </a:solidFill>
                 <a:effectLst/>
-                <a:highlight>
-                  <a:srgbClr val="FFFF00"/>
-                </a:highlight>
                 <a:latin typeface="Consolas" panose="020B0609020204030204" pitchFamily="49" charset="0"/>
               </a:rPr>
               <a:t>),</a:t>
+            </a:r>
+          </a:p>
+          <a:p>
+            <a:pPr>
+              <a:lnSpc>
+                <a:spcPts val="1425"/>
+              </a:lnSpc>
+              <a:buNone/>
+            </a:pPr>
+            <a:r>
+              <a:rPr lang="en-US" b="0" dirty="0">
+                <a:solidFill>
+                  <a:srgbClr val="3B3B3B"/>
+                </a:solidFill>
+                <a:effectLst/>
+                <a:latin typeface="Consolas" panose="020B0609020204030204" pitchFamily="49" charset="0"/>
+              </a:rPr>
+              <a:t>    )</a:t>
             </a:r>
           </a:p>
           <a:p>
@@ -16648,7 +16599,7 @@
                 <a:spcPts val="1425"/>
               </a:lnSpc>
             </a:pPr>
-            <a:r>
+            <a:br>
               <a:rPr lang="en-US" b="0" dirty="0">
                 <a:solidFill>
                   <a:srgbClr val="3B3B3B"/>
@@ -16656,8 +16607,14 @@
                 <a:effectLst/>
                 <a:latin typeface="Consolas" panose="020B0609020204030204" pitchFamily="49" charset="0"/>
               </a:rPr>
-              <a:t>    )</a:t>
-            </a:r>
+            </a:br>
+            <a:endParaRPr lang="en-US" b="0" dirty="0">
+              <a:solidFill>
+                <a:srgbClr val="3B3B3B"/>
+              </a:solidFill>
+              <a:effectLst/>
+              <a:latin typeface="Consolas" panose="020B0609020204030204" pitchFamily="49" charset="0"/>
+            </a:endParaRPr>
           </a:p>
         </p:txBody>
       </p:sp>
@@ -16671,13 +16628,13 @@
   <p:clrMapOvr>
     <a:masterClrMapping/>
   </p:clrMapOvr>
-  <mc:AlternateContent xmlns:mc="http://schemas.openxmlformats.org/markup-compatibility/2006">
-    <mc:Choice xmlns:p159="http://schemas.microsoft.com/office/powerpoint/2015/09/main" Requires="p159">
+  <mc:AlternateContent xmlns:mc="http://schemas.openxmlformats.org/markup-compatibility/2006" xmlns:p159="http://schemas.microsoft.com/office/powerpoint/2015/09/main">
+    <mc:Choice Requires="p159">
       <p:transition xmlns:p14="http://schemas.microsoft.com/office/powerpoint/2010/main" spd="slow" p14:dur="2000">
         <p159:morph option="byObject"/>
       </p:transition>
     </mc:Choice>
-    <mc:Fallback>
+    <mc:Fallback xmlns="">
       <p:transition spd="slow">
         <p:fade/>
       </p:transition>
@@ -18516,13 +18473,13 @@
   <p:clrMapOvr>
     <a:masterClrMapping/>
   </p:clrMapOvr>
-  <mc:AlternateContent xmlns:mc="http://schemas.openxmlformats.org/markup-compatibility/2006">
-    <mc:Choice xmlns:p159="http://schemas.microsoft.com/office/powerpoint/2015/09/main" Requires="p159">
+  <mc:AlternateContent xmlns:mc="http://schemas.openxmlformats.org/markup-compatibility/2006" xmlns:p159="http://schemas.microsoft.com/office/powerpoint/2015/09/main">
+    <mc:Choice Requires="p159">
       <p:transition xmlns:p14="http://schemas.microsoft.com/office/powerpoint/2010/main" spd="slow" p14:dur="2000">
         <p159:morph option="byObject"/>
       </p:transition>
     </mc:Choice>
-    <mc:Fallback>
+    <mc:Fallback xmlns="">
       <p:transition spd="slow">
         <p:fade/>
       </p:transition>
@@ -19614,13 +19571,13 @@
   <p:clrMapOvr>
     <a:masterClrMapping/>
   </p:clrMapOvr>
-  <mc:AlternateContent xmlns:mc="http://schemas.openxmlformats.org/markup-compatibility/2006">
-    <mc:Choice xmlns:p159="http://schemas.microsoft.com/office/powerpoint/2015/09/main" Requires="p159">
+  <mc:AlternateContent xmlns:mc="http://schemas.openxmlformats.org/markup-compatibility/2006" xmlns:p159="http://schemas.microsoft.com/office/powerpoint/2015/09/main">
+    <mc:Choice Requires="p159">
       <p:transition xmlns:p14="http://schemas.microsoft.com/office/powerpoint/2010/main" spd="slow" p14:dur="2000">
         <p159:morph option="byObject"/>
       </p:transition>
     </mc:Choice>
-    <mc:Fallback>
+    <mc:Fallback xmlns="">
       <p:transition spd="slow">
         <p:fade/>
       </p:transition>
@@ -22876,13 +22833,13 @@
   <p:clrMapOvr>
     <a:masterClrMapping/>
   </p:clrMapOvr>
-  <mc:AlternateContent xmlns:mc="http://schemas.openxmlformats.org/markup-compatibility/2006">
-    <mc:Choice xmlns:p159="http://schemas.microsoft.com/office/powerpoint/2015/09/main" Requires="p159">
+  <mc:AlternateContent xmlns:mc="http://schemas.openxmlformats.org/markup-compatibility/2006" xmlns:p159="http://schemas.microsoft.com/office/powerpoint/2015/09/main">
+    <mc:Choice Requires="p159">
       <p:transition xmlns:p14="http://schemas.microsoft.com/office/powerpoint/2010/main" spd="slow" p14:dur="2000">
         <p159:morph option="byObject"/>
       </p:transition>
     </mc:Choice>
-    <mc:Fallback>
+    <mc:Fallback xmlns="">
       <p:transition spd="slow">
         <p:fade/>
       </p:transition>
@@ -25432,13 +25389,13 @@
   <p:clrMapOvr>
     <a:masterClrMapping/>
   </p:clrMapOvr>
-  <mc:AlternateContent xmlns:mc="http://schemas.openxmlformats.org/markup-compatibility/2006">
-    <mc:Choice xmlns:p159="http://schemas.microsoft.com/office/powerpoint/2015/09/main" Requires="p159">
+  <mc:AlternateContent xmlns:mc="http://schemas.openxmlformats.org/markup-compatibility/2006" xmlns:p159="http://schemas.microsoft.com/office/powerpoint/2015/09/main">
+    <mc:Choice Requires="p159">
       <p:transition xmlns:p14="http://schemas.microsoft.com/office/powerpoint/2010/main" spd="slow" p14:dur="2000">
         <p159:morph option="byObject"/>
       </p:transition>
     </mc:Choice>
-    <mc:Fallback>
+    <mc:Fallback xmlns="">
       <p:transition spd="slow">
         <p:fade/>
       </p:transition>
@@ -26830,13 +26787,13 @@
   <p:clrMapOvr>
     <a:masterClrMapping/>
   </p:clrMapOvr>
-  <mc:AlternateContent xmlns:mc="http://schemas.openxmlformats.org/markup-compatibility/2006">
-    <mc:Choice xmlns:p159="http://schemas.microsoft.com/office/powerpoint/2015/09/main" Requires="p159">
+  <mc:AlternateContent xmlns:mc="http://schemas.openxmlformats.org/markup-compatibility/2006" xmlns:p159="http://schemas.microsoft.com/office/powerpoint/2015/09/main">
+    <mc:Choice Requires="p159">
       <p:transition xmlns:p14="http://schemas.microsoft.com/office/powerpoint/2010/main" spd="slow" p14:dur="2000">
         <p159:morph option="byObject"/>
       </p:transition>
     </mc:Choice>
-    <mc:Fallback>
+    <mc:Fallback xmlns="">
       <p:transition spd="slow">
         <p:fade/>
       </p:transition>
